--- a/物理实验B/finalProject/常见润滑剂的润滑性能研究.pptx
+++ b/物理实验B/finalProject/常见润滑剂的润滑性能研究.pptx
@@ -324,7 +324,7 @@
             <a:fld id="{1D8BD707-D9CF-40AE-B4C6-C98DA3205C09}" type="datetimeFigureOut">
               <a:rPr lang="en-US" smtClean="0"/>
               <a:pPr/>
-              <a:t>5/28/2024</a:t>
+              <a:t>5/30/2024</a:t>
             </a:fld>
             <a:endParaRPr lang="en-US"/>
           </a:p>
@@ -489,7 +489,7 @@
             <a:fld id="{1D8BD707-D9CF-40AE-B4C6-C98DA3205C09}" type="datetimeFigureOut">
               <a:rPr lang="en-US" smtClean="0"/>
               <a:pPr/>
-              <a:t>5/28/2024</a:t>
+              <a:t>5/30/2024</a:t>
             </a:fld>
             <a:endParaRPr lang="en-US"/>
           </a:p>
@@ -664,7 +664,7 @@
             <a:fld id="{1D8BD707-D9CF-40AE-B4C6-C98DA3205C09}" type="datetimeFigureOut">
               <a:rPr lang="en-US" smtClean="0"/>
               <a:pPr/>
-              <a:t>5/28/2024</a:t>
+              <a:t>5/30/2024</a:t>
             </a:fld>
             <a:endParaRPr lang="en-US"/>
           </a:p>
@@ -829,7 +829,7 @@
             <a:fld id="{1D8BD707-D9CF-40AE-B4C6-C98DA3205C09}" type="datetimeFigureOut">
               <a:rPr lang="en-US" smtClean="0"/>
               <a:pPr/>
-              <a:t>5/28/2024</a:t>
+              <a:t>5/30/2024</a:t>
             </a:fld>
             <a:endParaRPr lang="en-US"/>
           </a:p>
@@ -1071,7 +1071,7 @@
             <a:fld id="{1D8BD707-D9CF-40AE-B4C6-C98DA3205C09}" type="datetimeFigureOut">
               <a:rPr lang="en-US" smtClean="0"/>
               <a:pPr/>
-              <a:t>5/28/2024</a:t>
+              <a:t>5/30/2024</a:t>
             </a:fld>
             <a:endParaRPr lang="en-US"/>
           </a:p>
@@ -1353,7 +1353,7 @@
             <a:fld id="{1D8BD707-D9CF-40AE-B4C6-C98DA3205C09}" type="datetimeFigureOut">
               <a:rPr lang="en-US" smtClean="0"/>
               <a:pPr/>
-              <a:t>5/28/2024</a:t>
+              <a:t>5/30/2024</a:t>
             </a:fld>
             <a:endParaRPr lang="en-US"/>
           </a:p>
@@ -1769,7 +1769,7 @@
             <a:fld id="{1D8BD707-D9CF-40AE-B4C6-C98DA3205C09}" type="datetimeFigureOut">
               <a:rPr lang="en-US" smtClean="0"/>
               <a:pPr/>
-              <a:t>5/28/2024</a:t>
+              <a:t>5/30/2024</a:t>
             </a:fld>
             <a:endParaRPr lang="en-US"/>
           </a:p>
@@ -1883,7 +1883,7 @@
             <a:fld id="{1D8BD707-D9CF-40AE-B4C6-C98DA3205C09}" type="datetimeFigureOut">
               <a:rPr lang="en-US" smtClean="0"/>
               <a:pPr/>
-              <a:t>5/28/2024</a:t>
+              <a:t>5/30/2024</a:t>
             </a:fld>
             <a:endParaRPr lang="en-US"/>
           </a:p>
@@ -1975,7 +1975,7 @@
             <a:fld id="{1D8BD707-D9CF-40AE-B4C6-C98DA3205C09}" type="datetimeFigureOut">
               <a:rPr lang="en-US" smtClean="0"/>
               <a:pPr/>
-              <a:t>5/28/2024</a:t>
+              <a:t>5/30/2024</a:t>
             </a:fld>
             <a:endParaRPr lang="en-US"/>
           </a:p>
@@ -2247,7 +2247,7 @@
             <a:fld id="{1D8BD707-D9CF-40AE-B4C6-C98DA3205C09}" type="datetimeFigureOut">
               <a:rPr lang="en-US" smtClean="0"/>
               <a:pPr/>
-              <a:t>5/28/2024</a:t>
+              <a:t>5/30/2024</a:t>
             </a:fld>
             <a:endParaRPr lang="en-US"/>
           </a:p>
@@ -2496,7 +2496,7 @@
             <a:fld id="{1D8BD707-D9CF-40AE-B4C6-C98DA3205C09}" type="datetimeFigureOut">
               <a:rPr lang="en-US" smtClean="0"/>
               <a:pPr/>
-              <a:t>5/28/2024</a:t>
+              <a:t>5/30/2024</a:t>
             </a:fld>
             <a:endParaRPr lang="en-US"/>
           </a:p>
@@ -2704,7 +2704,7 @@
             <a:fld id="{1D8BD707-D9CF-40AE-B4C6-C98DA3205C09}" type="datetimeFigureOut">
               <a:rPr lang="en-US" smtClean="0"/>
               <a:pPr/>
-              <a:t>5/28/2024</a:t>
+              <a:t>5/30/2024</a:t>
             </a:fld>
             <a:endParaRPr lang="en-US"/>
           </a:p>
@@ -8544,8 +8544,8 @@
           </a:p>
         </p:txBody>
       </p:sp>
-      <mc:AlternateContent xmlns:mc="http://schemas.openxmlformats.org/markup-compatibility/2006" xmlns:a14="http://schemas.microsoft.com/office/drawing/2010/main">
-        <mc:Choice Requires="a14">
+      <mc:AlternateContent xmlns:mc="http://schemas.openxmlformats.org/markup-compatibility/2006">
+        <mc:Choice xmlns:a14="http://schemas.microsoft.com/office/drawing/2010/main" Requires="a14">
           <p:sp>
             <p:nvSpPr>
               <p:cNvPr id="5" name="TextBox 5"/>
@@ -9073,35 +9073,6 @@
                             </a:rPr>
                             <m:t>=14.706#</m:t>
                           </m:r>
-                          <m:d>
-                            <m:dPr>
-                              <m:ctrlPr>
-                                <a:rPr lang="zh-CN" altLang="zh-CN" sz="1600" i="1">
-                                  <a:solidFill>
-                                    <a:schemeClr val="dk1">
-                                      <a:alpha val="100000"/>
-                                    </a:schemeClr>
-                                  </a:solidFill>
-                                  <a:latin typeface="Cambria Math" panose="02040503050406030204" pitchFamily="18" charset="0"/>
-                                  <a:ea typeface="等线" panose="02010600030101010101" pitchFamily="2" charset="-122"/>
-                                </a:rPr>
-                              </m:ctrlPr>
-                            </m:dPr>
-                            <m:e>
-                              <m:r>
-                                <a:rPr lang="en-US" altLang="zh-CN" sz="1600">
-                                  <a:solidFill>
-                                    <a:schemeClr val="dk1">
-                                      <a:alpha val="100000"/>
-                                    </a:schemeClr>
-                                  </a:solidFill>
-                                  <a:latin typeface="Cambria Math" panose="02040503050406030204" pitchFamily="18" charset="0"/>
-                                  <a:ea typeface="等线" panose="02010600030101010101" pitchFamily="2" charset="-122"/>
-                                </a:rPr>
-                                <m:t>12</m:t>
-                              </m:r>
-                            </m:e>
-                          </m:d>
                         </m:e>
                       </m:eqArr>
                     </m:oMath>
@@ -9219,7 +9190,7 @@
             </p:txBody>
           </p:sp>
         </mc:Choice>
-        <mc:Fallback xmlns="">
+        <mc:Fallback>
           <p:sp>
             <p:nvSpPr>
               <p:cNvPr id="5" name="TextBox 5"/>
